--- a/learn/新建 Microsoft PowerPoint 演示文稿.pptx
+++ b/learn/新建 Microsoft PowerPoint 演示文稿.pptx
@@ -7,6 +7,7 @@
   <p:sldIdLst>
     <p:sldId id="256" r:id="rId2"/>
     <p:sldId id="257" r:id="rId3"/>
+    <p:sldId id="258" r:id="rId4"/>
   </p:sldIdLst>
   <p:sldSz cx="12192000" cy="6858000"/>
   <p:notesSz cx="6858000" cy="9144000"/>
@@ -105,6 +106,11 @@
       </a:defRPr>
     </a:lvl9pPr>
   </p:defaultTextStyle>
+  <p:extLst>
+    <p:ext uri="{EFAFB233-063F-42B5-8137-9DF3F51BA10A}">
+      <p15:sldGuideLst xmlns:p15="http://schemas.microsoft.com/office/powerpoint/2012/main"/>
+    </p:ext>
+  </p:extLst>
 </p:presentation>
 </file>
 
@@ -255,7 +261,7 @@
           <a:p>
             <a:fld id="{E9E6BFF5-5B55-4069-9606-A0AFDFFDEFA0}" type="datetimeFigureOut">
               <a:rPr lang="zh-CN" altLang="en-US" smtClean="0"/>
-              <a:t>2025/12/5</a:t>
+              <a:t>2025/12/6</a:t>
             </a:fld>
             <a:endParaRPr lang="zh-CN" altLang="en-US"/>
           </a:p>
@@ -453,7 +459,7 @@
           <a:p>
             <a:fld id="{E9E6BFF5-5B55-4069-9606-A0AFDFFDEFA0}" type="datetimeFigureOut">
               <a:rPr lang="zh-CN" altLang="en-US" smtClean="0"/>
-              <a:t>2025/12/5</a:t>
+              <a:t>2025/12/6</a:t>
             </a:fld>
             <a:endParaRPr lang="zh-CN" altLang="en-US"/>
           </a:p>
@@ -661,7 +667,7 @@
           <a:p>
             <a:fld id="{E9E6BFF5-5B55-4069-9606-A0AFDFFDEFA0}" type="datetimeFigureOut">
               <a:rPr lang="zh-CN" altLang="en-US" smtClean="0"/>
-              <a:t>2025/12/5</a:t>
+              <a:t>2025/12/6</a:t>
             </a:fld>
             <a:endParaRPr lang="zh-CN" altLang="en-US"/>
           </a:p>
@@ -859,7 +865,7 @@
           <a:p>
             <a:fld id="{E9E6BFF5-5B55-4069-9606-A0AFDFFDEFA0}" type="datetimeFigureOut">
               <a:rPr lang="zh-CN" altLang="en-US" smtClean="0"/>
-              <a:t>2025/12/5</a:t>
+              <a:t>2025/12/6</a:t>
             </a:fld>
             <a:endParaRPr lang="zh-CN" altLang="en-US"/>
           </a:p>
@@ -1134,7 +1140,7 @@
           <a:p>
             <a:fld id="{E9E6BFF5-5B55-4069-9606-A0AFDFFDEFA0}" type="datetimeFigureOut">
               <a:rPr lang="zh-CN" altLang="en-US" smtClean="0"/>
-              <a:t>2025/12/5</a:t>
+              <a:t>2025/12/6</a:t>
             </a:fld>
             <a:endParaRPr lang="zh-CN" altLang="en-US"/>
           </a:p>
@@ -1399,7 +1405,7 @@
           <a:p>
             <a:fld id="{E9E6BFF5-5B55-4069-9606-A0AFDFFDEFA0}" type="datetimeFigureOut">
               <a:rPr lang="zh-CN" altLang="en-US" smtClean="0"/>
-              <a:t>2025/12/5</a:t>
+              <a:t>2025/12/6</a:t>
             </a:fld>
             <a:endParaRPr lang="zh-CN" altLang="en-US"/>
           </a:p>
@@ -1811,7 +1817,7 @@
           <a:p>
             <a:fld id="{E9E6BFF5-5B55-4069-9606-A0AFDFFDEFA0}" type="datetimeFigureOut">
               <a:rPr lang="zh-CN" altLang="en-US" smtClean="0"/>
-              <a:t>2025/12/5</a:t>
+              <a:t>2025/12/6</a:t>
             </a:fld>
             <a:endParaRPr lang="zh-CN" altLang="en-US"/>
           </a:p>
@@ -1952,7 +1958,7 @@
           <a:p>
             <a:fld id="{E9E6BFF5-5B55-4069-9606-A0AFDFFDEFA0}" type="datetimeFigureOut">
               <a:rPr lang="zh-CN" altLang="en-US" smtClean="0"/>
-              <a:t>2025/12/5</a:t>
+              <a:t>2025/12/6</a:t>
             </a:fld>
             <a:endParaRPr lang="zh-CN" altLang="en-US"/>
           </a:p>
@@ -2065,7 +2071,7 @@
           <a:p>
             <a:fld id="{E9E6BFF5-5B55-4069-9606-A0AFDFFDEFA0}" type="datetimeFigureOut">
               <a:rPr lang="zh-CN" altLang="en-US" smtClean="0"/>
-              <a:t>2025/12/5</a:t>
+              <a:t>2025/12/6</a:t>
             </a:fld>
             <a:endParaRPr lang="zh-CN" altLang="en-US"/>
           </a:p>
@@ -2376,7 +2382,7 @@
           <a:p>
             <a:fld id="{E9E6BFF5-5B55-4069-9606-A0AFDFFDEFA0}" type="datetimeFigureOut">
               <a:rPr lang="zh-CN" altLang="en-US" smtClean="0"/>
-              <a:t>2025/12/5</a:t>
+              <a:t>2025/12/6</a:t>
             </a:fld>
             <a:endParaRPr lang="zh-CN" altLang="en-US"/>
           </a:p>
@@ -2664,7 +2670,7 @@
           <a:p>
             <a:fld id="{E9E6BFF5-5B55-4069-9606-A0AFDFFDEFA0}" type="datetimeFigureOut">
               <a:rPr lang="zh-CN" altLang="en-US" smtClean="0"/>
-              <a:t>2025/12/5</a:t>
+              <a:t>2025/12/6</a:t>
             </a:fld>
             <a:endParaRPr lang="zh-CN" altLang="en-US"/>
           </a:p>
@@ -2905,7 +2911,7 @@
           <a:p>
             <a:fld id="{E9E6BFF5-5B55-4069-9606-A0AFDFFDEFA0}" type="datetimeFigureOut">
               <a:rPr lang="zh-CN" altLang="en-US" smtClean="0"/>
-              <a:t>2025/12/5</a:t>
+              <a:t>2025/12/6</a:t>
             </a:fld>
             <a:endParaRPr lang="zh-CN" altLang="en-US"/>
           </a:p>
@@ -3576,7 +3582,7 @@
             </a:r>
             <a:r>
               <a:rPr lang="en-US" altLang="zh-CN" dirty="0"/>
-              <a:t>8*1024*1024*2 = 8388680</a:t>
+              <a:t>8*1024*1024*2 = 16777216</a:t>
             </a:r>
             <a:r>
               <a:rPr lang="zh-CN" altLang="en-US" dirty="0"/>
@@ -3584,7 +3590,7 @@
             </a:r>
             <a:r>
               <a:rPr lang="en-US" altLang="zh-CN" dirty="0"/>
-              <a:t>4194340</a:t>
+              <a:t>8388680</a:t>
             </a:r>
             <a:endParaRPr lang="zh-CN" altLang="en-US" dirty="0"/>
           </a:p>
@@ -3647,7 +3653,7 @@
             </a:r>
             <a:r>
               <a:rPr lang="en-US" altLang="zh-CN" dirty="0"/>
-              <a:t>4* 8388680 = 33554432</a:t>
+              <a:t>4* 16777216= 67108864</a:t>
             </a:r>
             <a:r>
               <a:rPr lang="zh-CN" altLang="en-US" dirty="0"/>
@@ -3662,7 +3668,7 @@
             </a:r>
             <a:r>
               <a:rPr lang="en-US" altLang="zh-CN" dirty="0"/>
-              <a:t>16777216</a:t>
+              <a:t>33554432</a:t>
             </a:r>
             <a:r>
               <a:rPr lang="zh-CN" altLang="en-US" dirty="0"/>
@@ -3859,6 +3865,232 @@
           </a:p>
         </p:txBody>
       </p:sp>
+      <p:sp>
+        <p:nvSpPr>
+          <p:cNvPr id="2" name="文本框 1">
+            <a:extLst>
+              <a:ext uri="{FF2B5EF4-FFF2-40B4-BE49-F238E27FC236}">
+                <a16:creationId xmlns:a16="http://schemas.microsoft.com/office/drawing/2014/main" id="{52ED9BEA-3E9D-E5E9-E7D3-8755E54F22F6}"/>
+              </a:ext>
+            </a:extLst>
+          </p:cNvPr>
+          <p:cNvSpPr txBox="1"/>
+          <p:nvPr/>
+        </p:nvSpPr>
+        <p:spPr>
+          <a:xfrm>
+            <a:off x="5427404" y="2581275"/>
+            <a:ext cx="5524500" cy="646331"/>
+          </a:xfrm>
+          <a:prstGeom prst="rect">
+            <a:avLst/>
+          </a:prstGeom>
+          <a:noFill/>
+        </p:spPr>
+        <p:txBody>
+          <a:bodyPr wrap="square" rtlCol="0">
+            <a:spAutoFit/>
+          </a:bodyPr>
+          <a:lstStyle/>
+          <a:p>
+            <a:r>
+              <a:rPr lang="zh-CN" altLang="en-US" dirty="0"/>
+              <a:t>一个</a:t>
+            </a:r>
+            <a:r>
+              <a:rPr lang="en-US" altLang="zh-CN" dirty="0"/>
+              <a:t>warp</a:t>
+            </a:r>
+            <a:r>
+              <a:rPr lang="zh-CN" altLang="en-US" dirty="0"/>
+              <a:t>有</a:t>
+            </a:r>
+            <a:r>
+              <a:rPr lang="en-US" altLang="zh-CN" dirty="0"/>
+              <a:t>32</a:t>
+            </a:r>
+            <a:r>
+              <a:rPr lang="zh-CN" altLang="en-US" dirty="0"/>
+              <a:t>个线程，他们同时执行一条指令，所以指令数要</a:t>
+            </a:r>
+            <a:r>
+              <a:rPr lang="en-US" altLang="zh-CN" dirty="0"/>
+              <a:t>8388680/32</a:t>
+            </a:r>
+            <a:r>
+              <a:rPr lang="zh-CN" altLang="en-US" dirty="0"/>
+              <a:t> </a:t>
+            </a:r>
+            <a:r>
+              <a:rPr lang="en-US" altLang="zh-CN" dirty="0"/>
+              <a:t>=</a:t>
+            </a:r>
+            <a:r>
+              <a:rPr lang="zh-CN" altLang="en-US" dirty="0"/>
+              <a:t> </a:t>
+            </a:r>
+            <a:r>
+              <a:rPr lang="en-US" altLang="zh-CN" dirty="0"/>
+              <a:t>524288</a:t>
+            </a:r>
+            <a:endParaRPr lang="zh-CN" altLang="en-US" dirty="0"/>
+          </a:p>
+        </p:txBody>
+      </p:sp>
+      <p:sp>
+        <p:nvSpPr>
+          <p:cNvPr id="3" name="文本框 2">
+            <a:extLst>
+              <a:ext uri="{FF2B5EF4-FFF2-40B4-BE49-F238E27FC236}">
+                <a16:creationId xmlns:a16="http://schemas.microsoft.com/office/drawing/2014/main" id="{674774A6-B608-BA0A-95FE-4EBE85F57028}"/>
+              </a:ext>
+            </a:extLst>
+          </p:cNvPr>
+          <p:cNvSpPr txBox="1"/>
+          <p:nvPr/>
+        </p:nvSpPr>
+        <p:spPr>
+          <a:xfrm>
+            <a:off x="5427404" y="4699159"/>
+            <a:ext cx="4147289" cy="369332"/>
+          </a:xfrm>
+          <a:prstGeom prst="rect">
+            <a:avLst/>
+          </a:prstGeom>
+          <a:noFill/>
+        </p:spPr>
+        <p:txBody>
+          <a:bodyPr wrap="none" rtlCol="0">
+            <a:spAutoFit/>
+          </a:bodyPr>
+          <a:lstStyle/>
+          <a:p>
+            <a:r>
+              <a:rPr lang="zh-CN" altLang="en-US" dirty="0"/>
+              <a:t>总共读</a:t>
+            </a:r>
+            <a:r>
+              <a:rPr lang="en-US" altLang="zh-CN" dirty="0"/>
+              <a:t>67108864/32</a:t>
+            </a:r>
+            <a:r>
+              <a:rPr lang="zh-CN" altLang="en-US" dirty="0"/>
+              <a:t> </a:t>
+            </a:r>
+            <a:r>
+              <a:rPr lang="en-US" altLang="zh-CN" dirty="0"/>
+              <a:t>=</a:t>
+            </a:r>
+            <a:r>
+              <a:rPr lang="zh-CN" altLang="en-US" dirty="0"/>
+              <a:t> </a:t>
+            </a:r>
+            <a:r>
+              <a:rPr lang="en-US" altLang="zh-CN" dirty="0"/>
+              <a:t>2097152</a:t>
+            </a:r>
+            <a:r>
+              <a:rPr lang="zh-CN" altLang="en-US" dirty="0"/>
+              <a:t>个</a:t>
+            </a:r>
+            <a:r>
+              <a:rPr lang="en-US" altLang="zh-CN" dirty="0"/>
+              <a:t>sector</a:t>
+            </a:r>
+            <a:endParaRPr lang="zh-CN" altLang="en-US" dirty="0"/>
+          </a:p>
+        </p:txBody>
+      </p:sp>
+      <p:cxnSp>
+        <p:nvCxnSpPr>
+          <p:cNvPr id="5" name="直接箭头连接符 4">
+            <a:extLst>
+              <a:ext uri="{FF2B5EF4-FFF2-40B4-BE49-F238E27FC236}">
+                <a16:creationId xmlns:a16="http://schemas.microsoft.com/office/drawing/2014/main" id="{9C1B9CFB-444C-2D7E-4D74-7D06E7A2C855}"/>
+              </a:ext>
+            </a:extLst>
+          </p:cNvPr>
+          <p:cNvCxnSpPr>
+            <a:cxnSpLocks/>
+            <a:endCxn id="2" idx="1"/>
+          </p:cNvCxnSpPr>
+          <p:nvPr/>
+        </p:nvCxnSpPr>
+        <p:spPr>
+          <a:xfrm>
+            <a:off x="3939540" y="2819400"/>
+            <a:ext cx="1487864" cy="85041"/>
+          </a:xfrm>
+          <a:prstGeom prst="straightConnector1">
+            <a:avLst/>
+          </a:prstGeom>
+          <a:ln w="25400">
+            <a:solidFill>
+              <a:schemeClr val="tx1"/>
+            </a:solidFill>
+            <a:tailEnd type="stealth" w="lg" len="lg"/>
+          </a:ln>
+        </p:spPr>
+        <p:style>
+          <a:lnRef idx="1">
+            <a:schemeClr val="accent1"/>
+          </a:lnRef>
+          <a:fillRef idx="0">
+            <a:schemeClr val="accent1"/>
+          </a:fillRef>
+          <a:effectRef idx="0">
+            <a:schemeClr val="accent1"/>
+          </a:effectRef>
+          <a:fontRef idx="minor">
+            <a:schemeClr val="tx1"/>
+          </a:fontRef>
+        </p:style>
+      </p:cxnSp>
+      <p:cxnSp>
+        <p:nvCxnSpPr>
+          <p:cNvPr id="16" name="直接箭头连接符 15">
+            <a:extLst>
+              <a:ext uri="{FF2B5EF4-FFF2-40B4-BE49-F238E27FC236}">
+                <a16:creationId xmlns:a16="http://schemas.microsoft.com/office/drawing/2014/main" id="{35818651-4DD0-D611-6C7E-E1DF0941BB66}"/>
+              </a:ext>
+            </a:extLst>
+          </p:cNvPr>
+          <p:cNvCxnSpPr>
+            <a:cxnSpLocks/>
+            <a:endCxn id="3" idx="1"/>
+          </p:cNvCxnSpPr>
+          <p:nvPr/>
+        </p:nvCxnSpPr>
+        <p:spPr>
+          <a:xfrm flipV="1">
+            <a:off x="4683472" y="4883825"/>
+            <a:ext cx="743932" cy="95578"/>
+          </a:xfrm>
+          <a:prstGeom prst="straightConnector1">
+            <a:avLst/>
+          </a:prstGeom>
+          <a:ln w="25400">
+            <a:solidFill>
+              <a:schemeClr val="tx1"/>
+            </a:solidFill>
+            <a:tailEnd type="stealth" w="lg" len="lg"/>
+          </a:ln>
+        </p:spPr>
+        <p:style>
+          <a:lnRef idx="1">
+            <a:schemeClr val="accent1"/>
+          </a:lnRef>
+          <a:fillRef idx="0">
+            <a:schemeClr val="accent1"/>
+          </a:fillRef>
+          <a:effectRef idx="0">
+            <a:schemeClr val="accent1"/>
+          </a:effectRef>
+          <a:fontRef idx="minor">
+            <a:schemeClr val="tx1"/>
+          </a:fontRef>
+        </p:style>
+      </p:cxnSp>
     </p:spTree>
     <p:extLst>
       <p:ext uri="{BB962C8B-B14F-4D97-AF65-F5344CB8AC3E}">
@@ -3980,10 +4212,393 @@
           </a:prstGeom>
         </p:spPr>
       </p:pic>
+      <p:sp>
+        <p:nvSpPr>
+          <p:cNvPr id="2" name="文本框 1">
+            <a:extLst>
+              <a:ext uri="{FF2B5EF4-FFF2-40B4-BE49-F238E27FC236}">
+                <a16:creationId xmlns:a16="http://schemas.microsoft.com/office/drawing/2014/main" id="{5E5A7191-3EBE-A9A1-2EE6-C1489DA62C5A}"/>
+              </a:ext>
+            </a:extLst>
+          </p:cNvPr>
+          <p:cNvSpPr txBox="1"/>
+          <p:nvPr/>
+        </p:nvSpPr>
+        <p:spPr>
+          <a:xfrm>
+            <a:off x="4823460" y="1889760"/>
+            <a:ext cx="3360215" cy="369332"/>
+          </a:xfrm>
+          <a:prstGeom prst="rect">
+            <a:avLst/>
+          </a:prstGeom>
+          <a:noFill/>
+        </p:spPr>
+        <p:txBody>
+          <a:bodyPr wrap="none" rtlCol="0">
+            <a:spAutoFit/>
+          </a:bodyPr>
+          <a:lstStyle/>
+          <a:p>
+            <a:r>
+              <a:rPr lang="zh-CN" altLang="en-US" dirty="0"/>
+              <a:t>一个波前</a:t>
+            </a:r>
+            <a:r>
+              <a:rPr lang="en-US" altLang="zh-CN" dirty="0"/>
+              <a:t>(</a:t>
+            </a:r>
+            <a:r>
+              <a:rPr lang="zh-CN" altLang="en-US" dirty="0"/>
+              <a:t>或者是</a:t>
+            </a:r>
+            <a:r>
+              <a:rPr lang="en-US" altLang="zh-CN" dirty="0"/>
+              <a:t>warp)32</a:t>
+            </a:r>
+            <a:r>
+              <a:rPr lang="zh-CN" altLang="en-US" dirty="0"/>
+              <a:t>个线程</a:t>
+            </a:r>
+          </a:p>
+        </p:txBody>
+      </p:sp>
     </p:spTree>
     <p:extLst>
       <p:ext uri="{BB962C8B-B14F-4D97-AF65-F5344CB8AC3E}">
         <p14:creationId xmlns:p14="http://schemas.microsoft.com/office/powerpoint/2010/main" val="2220391037"/>
+      </p:ext>
+    </p:extLst>
+  </p:cSld>
+  <p:clrMapOvr>
+    <a:masterClrMapping/>
+  </p:clrMapOvr>
+</p:sld>
+</file>
+
+<file path=ppt/slides/slide3.xml><?xml version="1.0" encoding="utf-8"?>
+<p:sld xmlns:a="http://schemas.openxmlformats.org/drawingml/2006/main" xmlns:r="http://schemas.openxmlformats.org/officeDocument/2006/relationships" xmlns:p="http://schemas.openxmlformats.org/presentationml/2006/main">
+  <p:cSld>
+    <p:spTree>
+      <p:nvGrpSpPr>
+        <p:cNvPr id="1" name=""/>
+        <p:cNvGrpSpPr/>
+        <p:nvPr/>
+      </p:nvGrpSpPr>
+      <p:grpSpPr>
+        <a:xfrm>
+          <a:off x="0" y="0"/>
+          <a:ext cx="0" cy="0"/>
+          <a:chOff x="0" y="0"/>
+          <a:chExt cx="0" cy="0"/>
+        </a:xfrm>
+      </p:grpSpPr>
+      <p:pic>
+        <p:nvPicPr>
+          <p:cNvPr id="4" name="图片 3">
+            <a:extLst>
+              <a:ext uri="{FF2B5EF4-FFF2-40B4-BE49-F238E27FC236}">
+                <a16:creationId xmlns:a16="http://schemas.microsoft.com/office/drawing/2014/main" id="{F57A2471-EB7C-8183-A1EE-BC27E172F957}"/>
+              </a:ext>
+            </a:extLst>
+          </p:cNvPr>
+          <p:cNvPicPr>
+            <a:picLocks noChangeAspect="1"/>
+          </p:cNvPicPr>
+          <p:nvPr/>
+        </p:nvPicPr>
+        <p:blipFill>
+          <a:blip r:embed="rId2"/>
+          <a:stretch>
+            <a:fillRect/>
+          </a:stretch>
+        </p:blipFill>
+        <p:spPr>
+          <a:xfrm>
+            <a:off x="695325" y="1640160"/>
+            <a:ext cx="12192000" cy="2644229"/>
+          </a:xfrm>
+          <a:prstGeom prst="rect">
+            <a:avLst/>
+          </a:prstGeom>
+        </p:spPr>
+      </p:pic>
+      <p:sp>
+        <p:nvSpPr>
+          <p:cNvPr id="6" name="矩形 5">
+            <a:extLst>
+              <a:ext uri="{FF2B5EF4-FFF2-40B4-BE49-F238E27FC236}">
+                <a16:creationId xmlns:a16="http://schemas.microsoft.com/office/drawing/2014/main" id="{D8B32074-4E70-D295-301A-D5A8AAB83313}"/>
+              </a:ext>
+            </a:extLst>
+          </p:cNvPr>
+          <p:cNvSpPr/>
+          <p:nvPr/>
+        </p:nvSpPr>
+        <p:spPr>
+          <a:xfrm>
+            <a:off x="1905000" y="1640160"/>
+            <a:ext cx="933450" cy="1179240"/>
+          </a:xfrm>
+          <a:prstGeom prst="rect">
+            <a:avLst/>
+          </a:prstGeom>
+          <a:noFill/>
+          <a:ln w="31750">
+            <a:solidFill>
+              <a:srgbClr val="FF0000"/>
+            </a:solidFill>
+          </a:ln>
+        </p:spPr>
+        <p:style>
+          <a:lnRef idx="2">
+            <a:schemeClr val="accent1">
+              <a:shade val="15000"/>
+            </a:schemeClr>
+          </a:lnRef>
+          <a:fillRef idx="1">
+            <a:schemeClr val="accent1"/>
+          </a:fillRef>
+          <a:effectRef idx="0">
+            <a:schemeClr val="accent1"/>
+          </a:effectRef>
+          <a:fontRef idx="minor">
+            <a:schemeClr val="lt1"/>
+          </a:fontRef>
+        </p:style>
+        <p:txBody>
+          <a:bodyPr rtlCol="0" anchor="ctr"/>
+          <a:lstStyle/>
+          <a:p>
+            <a:pPr algn="ctr"/>
+            <a:endParaRPr lang="zh-CN" altLang="en-US"/>
+          </a:p>
+        </p:txBody>
+      </p:sp>
+      <p:sp>
+        <p:nvSpPr>
+          <p:cNvPr id="7" name="文本框 6">
+            <a:extLst>
+              <a:ext uri="{FF2B5EF4-FFF2-40B4-BE49-F238E27FC236}">
+                <a16:creationId xmlns:a16="http://schemas.microsoft.com/office/drawing/2014/main" id="{1AC3DCB1-5284-E692-56F1-B5DED515690A}"/>
+              </a:ext>
+            </a:extLst>
+          </p:cNvPr>
+          <p:cNvSpPr txBox="1"/>
+          <p:nvPr/>
+        </p:nvSpPr>
+        <p:spPr>
+          <a:xfrm>
+            <a:off x="1702311" y="1270828"/>
+            <a:ext cx="1338828" cy="369332"/>
+          </a:xfrm>
+          <a:prstGeom prst="rect">
+            <a:avLst/>
+          </a:prstGeom>
+          <a:noFill/>
+        </p:spPr>
+        <p:txBody>
+          <a:bodyPr wrap="none" rtlCol="0">
+            <a:spAutoFit/>
+          </a:bodyPr>
+          <a:lstStyle/>
+          <a:p>
+            <a:r>
+              <a:rPr lang="zh-CN" altLang="en-US" b="1" dirty="0">
+                <a:solidFill>
+                  <a:srgbClr val="FF0000"/>
+                </a:solidFill>
+              </a:rPr>
+              <a:t>执行指令数</a:t>
+            </a:r>
+          </a:p>
+        </p:txBody>
+      </p:sp>
+      <p:sp>
+        <p:nvSpPr>
+          <p:cNvPr id="9" name="文本框 8">
+            <a:extLst>
+              <a:ext uri="{FF2B5EF4-FFF2-40B4-BE49-F238E27FC236}">
+                <a16:creationId xmlns:a16="http://schemas.microsoft.com/office/drawing/2014/main" id="{72D33403-F1B6-7DD5-CAF8-CF6D178395D7}"/>
+              </a:ext>
+            </a:extLst>
+          </p:cNvPr>
+          <p:cNvSpPr txBox="1"/>
+          <p:nvPr/>
+        </p:nvSpPr>
+        <p:spPr>
+          <a:xfrm>
+            <a:off x="1770891" y="4832217"/>
+            <a:ext cx="2488689" cy="923330"/>
+          </a:xfrm>
+          <a:prstGeom prst="rect">
+            <a:avLst/>
+          </a:prstGeom>
+          <a:noFill/>
+        </p:spPr>
+        <p:txBody>
+          <a:bodyPr wrap="square" rtlCol="0">
+            <a:spAutoFit/>
+          </a:bodyPr>
+          <a:lstStyle/>
+          <a:p>
+            <a:r>
+              <a:rPr lang="zh-CN" altLang="en-US" b="1" dirty="0">
+                <a:solidFill>
+                  <a:srgbClr val="FF0000"/>
+                </a:solidFill>
+              </a:rPr>
+              <a:t>请求数：</a:t>
+            </a:r>
+            <a:r>
+              <a:rPr lang="en-US" altLang="zh-CN" b="1" dirty="0">
+                <a:solidFill>
+                  <a:srgbClr val="FF0000"/>
+                </a:solidFill>
+              </a:rPr>
+              <a:t>warp</a:t>
+            </a:r>
+            <a:r>
+              <a:rPr lang="zh-CN" altLang="en-US" b="1" dirty="0">
+                <a:solidFill>
+                  <a:srgbClr val="FF0000"/>
+                </a:solidFill>
+              </a:rPr>
+              <a:t>内一条指令</a:t>
+            </a:r>
+            <a:r>
+              <a:rPr lang="en-US" altLang="zh-CN" b="1" dirty="0">
+                <a:solidFill>
+                  <a:srgbClr val="FF0000"/>
+                </a:solidFill>
+              </a:rPr>
+              <a:t>(</a:t>
+            </a:r>
+            <a:r>
+              <a:rPr lang="zh-CN" altLang="en-US" b="1" dirty="0">
+                <a:solidFill>
+                  <a:srgbClr val="FF0000"/>
+                </a:solidFill>
+              </a:rPr>
+              <a:t>读指令或写指令</a:t>
+            </a:r>
+            <a:r>
+              <a:rPr lang="en-US" altLang="zh-CN" b="1" dirty="0">
+                <a:solidFill>
+                  <a:srgbClr val="FF0000"/>
+                </a:solidFill>
+              </a:rPr>
+              <a:t>)</a:t>
+            </a:r>
+            <a:r>
+              <a:rPr lang="zh-CN" altLang="en-US" b="1" dirty="0">
+                <a:solidFill>
+                  <a:srgbClr val="FF0000"/>
+                </a:solidFill>
+              </a:rPr>
+              <a:t>，对应几个请求（扇区）</a:t>
+            </a:r>
+          </a:p>
+        </p:txBody>
+      </p:sp>
+      <p:cxnSp>
+        <p:nvCxnSpPr>
+          <p:cNvPr id="11" name="直接箭头连接符 10">
+            <a:extLst>
+              <a:ext uri="{FF2B5EF4-FFF2-40B4-BE49-F238E27FC236}">
+                <a16:creationId xmlns:a16="http://schemas.microsoft.com/office/drawing/2014/main" id="{442C84EF-59FD-BA80-CA05-016EB527E195}"/>
+              </a:ext>
+            </a:extLst>
+          </p:cNvPr>
+          <p:cNvCxnSpPr/>
+          <p:nvPr/>
+        </p:nvCxnSpPr>
+        <p:spPr>
+          <a:xfrm flipH="1">
+            <a:off x="3041139" y="2667000"/>
+            <a:ext cx="547881" cy="2165217"/>
+          </a:xfrm>
+          <a:prstGeom prst="straightConnector1">
+            <a:avLst/>
+          </a:prstGeom>
+          <a:ln w="25400">
+            <a:solidFill>
+              <a:srgbClr val="FF0000"/>
+            </a:solidFill>
+            <a:tailEnd type="stealth" w="lg" len="lg"/>
+          </a:ln>
+        </p:spPr>
+        <p:style>
+          <a:lnRef idx="1">
+            <a:schemeClr val="accent1"/>
+          </a:lnRef>
+          <a:fillRef idx="0">
+            <a:schemeClr val="accent1"/>
+          </a:fillRef>
+          <a:effectRef idx="0">
+            <a:schemeClr val="accent1"/>
+          </a:effectRef>
+          <a:fontRef idx="minor">
+            <a:schemeClr val="tx1"/>
+          </a:fontRef>
+        </p:style>
+      </p:cxnSp>
+      <p:sp>
+        <p:nvSpPr>
+          <p:cNvPr id="12" name="矩形 11">
+            <a:extLst>
+              <a:ext uri="{FF2B5EF4-FFF2-40B4-BE49-F238E27FC236}">
+                <a16:creationId xmlns:a16="http://schemas.microsoft.com/office/drawing/2014/main" id="{612159B3-532C-6652-652D-AC4F15FFF4B2}"/>
+              </a:ext>
+            </a:extLst>
+          </p:cNvPr>
+          <p:cNvSpPr/>
+          <p:nvPr/>
+        </p:nvSpPr>
+        <p:spPr>
+          <a:xfrm>
+            <a:off x="3041138" y="1706834"/>
+            <a:ext cx="805438" cy="960166"/>
+          </a:xfrm>
+          <a:prstGeom prst="rect">
+            <a:avLst/>
+          </a:prstGeom>
+          <a:noFill/>
+          <a:ln w="31750">
+            <a:solidFill>
+              <a:srgbClr val="FF0000"/>
+            </a:solidFill>
+          </a:ln>
+        </p:spPr>
+        <p:style>
+          <a:lnRef idx="2">
+            <a:schemeClr val="accent1">
+              <a:shade val="15000"/>
+            </a:schemeClr>
+          </a:lnRef>
+          <a:fillRef idx="1">
+            <a:schemeClr val="accent1"/>
+          </a:fillRef>
+          <a:effectRef idx="0">
+            <a:schemeClr val="accent1"/>
+          </a:effectRef>
+          <a:fontRef idx="minor">
+            <a:schemeClr val="lt1"/>
+          </a:fontRef>
+        </p:style>
+        <p:txBody>
+          <a:bodyPr rtlCol="0" anchor="ctr"/>
+          <a:lstStyle/>
+          <a:p>
+            <a:pPr algn="ctr"/>
+            <a:endParaRPr lang="zh-CN" altLang="en-US"/>
+          </a:p>
+        </p:txBody>
+      </p:sp>
+    </p:spTree>
+    <p:extLst>
+      <p:ext uri="{BB962C8B-B14F-4D97-AF65-F5344CB8AC3E}">
+        <p14:creationId xmlns:p14="http://schemas.microsoft.com/office/powerpoint/2010/main" val="3167864159"/>
       </p:ext>
     </p:extLst>
   </p:cSld>
